--- a/Project1/Reports/Proj1Interim.pptx
+++ b/Project1/Reports/Proj1Interim.pptx
@@ -4672,8 +4672,17 @@
             <a:pPr lvl="2"/>
             <a:r>
               <a:rPr lang="en-US" dirty="0" smtClean="0"/>
-              <a:t>Only covariates at baseline?</a:t>
-            </a:r>
+              <a:t>Only covariates </a:t>
+            </a:r>
+            <a:r>
+              <a:rPr lang="en-US" smtClean="0"/>
+              <a:t>at </a:t>
+            </a:r>
+            <a:r>
+              <a:rPr lang="en-US" smtClean="0"/>
+              <a:t>baseline</a:t>
+            </a:r>
+            <a:endParaRPr lang="en-US" dirty="0" smtClean="0"/>
           </a:p>
           <a:p>
             <a:pPr lvl="1"/>
